--- a/Courses/Applied-Programmer/Programming-Fundamentals/06-Многомерни-масиви/25. Многомерни масиви.pptx
+++ b/Courses/Applied-Programmer/Programming-Fundamentals/06-Многомерни-масиви/25. Многомерни масиви.pptx
@@ -349,7 +349,7 @@
             <a:fld id="{FE5B4EDC-59C0-49C7-8ADA-5A781B329E02}" type="datetimeFigureOut">
               <a:rPr lang="en-US"/>
               <a:pPr/>
-              <a:t>10-Nov-20</a:t>
+              <a:t>13-Nov-20</a:t>
             </a:fld>
             <a:endParaRPr dirty="0"/>
           </a:p>
@@ -647,7 +647,7 @@
             <a:fld id="{F2D8D46A-B586-417D-BFBD-8C8FE0AAF762}" type="datetimeFigureOut">
               <a:rPr lang="en-US" smtClean="0"/>
               <a:pPr/>
-              <a:t>10-Nov-20</a:t>
+              <a:t>13-Nov-20</a:t>
             </a:fld>
             <a:endParaRPr lang="en-US" dirty="0"/>
           </a:p>
@@ -6942,6 +6942,55 @@
           </a:p>
         </p:txBody>
       </p:sp>
+      <p:sp>
+        <p:nvSpPr>
+          <p:cNvPr id="2" name="Rectangle 1"/>
+          <p:cNvSpPr/>
+          <p:nvPr/>
+        </p:nvSpPr>
+        <p:spPr>
+          <a:xfrm>
+            <a:off x="2360612" y="6161575"/>
+            <a:ext cx="7647030" cy="461665"/>
+          </a:xfrm>
+          <a:prstGeom prst="rect">
+            <a:avLst/>
+          </a:prstGeom>
+        </p:spPr>
+        <p:txBody>
+          <a:bodyPr wrap="none">
+            <a:spAutoFit/>
+          </a:bodyPr>
+          <a:lstStyle/>
+          <a:p>
+            <a:r>
+              <a:rPr lang="bg-BG" dirty="0" smtClean="0"/>
+              <a:t>Тествайте</a:t>
+            </a:r>
+            <a:r>
+              <a:rPr lang="en-US" dirty="0" smtClean="0"/>
+              <a:t> </a:t>
+            </a:r>
+            <a:r>
+              <a:rPr lang="en-US" dirty="0"/>
+              <a:t>в Judge: </a:t>
+            </a:r>
+            <a:r>
+              <a:rPr lang="en-US" dirty="0">
+                <a:hlinkClick r:id="rId2"/>
+              </a:rPr>
+              <a:t>https://</a:t>
+            </a:r>
+            <a:r>
+              <a:rPr lang="en-US" dirty="0" smtClean="0">
+                <a:hlinkClick r:id="rId2"/>
+              </a:rPr>
+              <a:t>judge.softuni.bg/Contests/2667</a:t>
+            </a:r>
+            <a:endParaRPr lang="en-US" dirty="0"/>
+          </a:p>
+        </p:txBody>
+      </p:sp>
     </p:spTree>
     <p:extLst>
       <p:ext uri="{BB962C8B-B14F-4D97-AF65-F5344CB8AC3E}">
@@ -7626,6 +7675,55 @@
                 </a:prstClr>
               </a:solidFill>
             </a:endParaRPr>
+          </a:p>
+        </p:txBody>
+      </p:sp>
+      <p:sp>
+        <p:nvSpPr>
+          <p:cNvPr id="9" name="Rectangle 8"/>
+          <p:cNvSpPr/>
+          <p:nvPr/>
+        </p:nvSpPr>
+        <p:spPr>
+          <a:xfrm>
+            <a:off x="2360612" y="6161575"/>
+            <a:ext cx="7647030" cy="461665"/>
+          </a:xfrm>
+          <a:prstGeom prst="rect">
+            <a:avLst/>
+          </a:prstGeom>
+        </p:spPr>
+        <p:txBody>
+          <a:bodyPr wrap="none">
+            <a:spAutoFit/>
+          </a:bodyPr>
+          <a:lstStyle/>
+          <a:p>
+            <a:r>
+              <a:rPr lang="bg-BG" dirty="0" smtClean="0"/>
+              <a:t>Тествайте</a:t>
+            </a:r>
+            <a:r>
+              <a:rPr lang="en-US" dirty="0" smtClean="0"/>
+              <a:t> </a:t>
+            </a:r>
+            <a:r>
+              <a:rPr lang="en-US" dirty="0"/>
+              <a:t>в Judge: </a:t>
+            </a:r>
+            <a:r>
+              <a:rPr lang="en-US" dirty="0">
+                <a:hlinkClick r:id="rId2"/>
+              </a:rPr>
+              <a:t>https://</a:t>
+            </a:r>
+            <a:r>
+              <a:rPr lang="en-US" dirty="0" smtClean="0">
+                <a:hlinkClick r:id="rId2"/>
+              </a:rPr>
+              <a:t>judge.softuni.bg/Contests/2667</a:t>
+            </a:r>
+            <a:endParaRPr lang="en-US" dirty="0"/>
           </a:p>
         </p:txBody>
       </p:sp>
@@ -8343,6 +8441,55 @@
                 </a:prstClr>
               </a:solidFill>
             </a:endParaRPr>
+          </a:p>
+        </p:txBody>
+      </p:sp>
+      <p:sp>
+        <p:nvSpPr>
+          <p:cNvPr id="12" name="Rectangle 11"/>
+          <p:cNvSpPr/>
+          <p:nvPr/>
+        </p:nvSpPr>
+        <p:spPr>
+          <a:xfrm>
+            <a:off x="2360612" y="6161575"/>
+            <a:ext cx="7647030" cy="461665"/>
+          </a:xfrm>
+          <a:prstGeom prst="rect">
+            <a:avLst/>
+          </a:prstGeom>
+        </p:spPr>
+        <p:txBody>
+          <a:bodyPr wrap="none">
+            <a:spAutoFit/>
+          </a:bodyPr>
+          <a:lstStyle/>
+          <a:p>
+            <a:r>
+              <a:rPr lang="bg-BG" dirty="0" smtClean="0"/>
+              <a:t>Тествайте</a:t>
+            </a:r>
+            <a:r>
+              <a:rPr lang="en-US" dirty="0" smtClean="0"/>
+              <a:t> </a:t>
+            </a:r>
+            <a:r>
+              <a:rPr lang="en-US" dirty="0"/>
+              <a:t>в Judge: </a:t>
+            </a:r>
+            <a:r>
+              <a:rPr lang="en-US" dirty="0">
+                <a:hlinkClick r:id="rId2"/>
+              </a:rPr>
+              <a:t>https://</a:t>
+            </a:r>
+            <a:r>
+              <a:rPr lang="en-US" dirty="0" smtClean="0">
+                <a:hlinkClick r:id="rId2"/>
+              </a:rPr>
+              <a:t>judge.softuni.bg/Contests/2667</a:t>
+            </a:r>
+            <a:endParaRPr lang="en-US" dirty="0"/>
           </a:p>
         </p:txBody>
       </p:sp>
